--- a/presentation_and_report/Presentation.pptx
+++ b/presentation_and_report/Presentation.pptx
@@ -218,7 +218,7 @@
           <a:p>
             <a:fld id="{8101EF85-1CA0-9349-8428-FF63B4B76357}" type="datetimeFigureOut">
               <a:rPr lang="en-US" smtClean="0"/>
-              <a:t>6/26/24</a:t>
+              <a:t>7/2/24</a:t>
             </a:fld>
             <a:endParaRPr lang="en-US"/>
           </a:p>
@@ -726,6 +726,132 @@
               <a:t>practical utility</a:t>
             </a:r>
           </a:p>
+          <a:p>
+            <a:endParaRPr lang="en-US" dirty="0"/>
+          </a:p>
+          <a:p>
+            <a:r>
+              <a:rPr lang="de-DE" b="0" i="0" u="none" strike="noStrike" dirty="0" err="1">
+                <a:solidFill>
+                  <a:srgbClr val="000000"/>
+                </a:solidFill>
+                <a:effectLst/>
+                <a:latin typeface="-webkit-standard"/>
+              </a:rPr>
+              <a:t>particularly</a:t>
+            </a:r>
+            <a:r>
+              <a:rPr lang="de-DE" b="0" i="0" u="none" strike="noStrike" dirty="0">
+                <a:solidFill>
+                  <a:srgbClr val="000000"/>
+                </a:solidFill>
+                <a:effectLst/>
+                <a:latin typeface="-webkit-standard"/>
+              </a:rPr>
+              <a:t> </a:t>
+            </a:r>
+            <a:r>
+              <a:rPr lang="de-DE" b="0" i="0" u="none" strike="noStrike" dirty="0" err="1">
+                <a:solidFill>
+                  <a:srgbClr val="000000"/>
+                </a:solidFill>
+                <a:effectLst/>
+                <a:latin typeface="-webkit-standard"/>
+              </a:rPr>
+              <a:t>when</a:t>
+            </a:r>
+            <a:r>
+              <a:rPr lang="de-DE" b="0" i="0" u="none" strike="noStrike" dirty="0">
+                <a:solidFill>
+                  <a:srgbClr val="000000"/>
+                </a:solidFill>
+                <a:effectLst/>
+                <a:latin typeface="-webkit-standard"/>
+              </a:rPr>
+              <a:t> </a:t>
+            </a:r>
+            <a:r>
+              <a:rPr lang="de-DE" b="0" i="0" u="none" strike="noStrike" dirty="0" err="1">
+                <a:solidFill>
+                  <a:srgbClr val="000000"/>
+                </a:solidFill>
+                <a:effectLst/>
+                <a:latin typeface="-webkit-standard"/>
+              </a:rPr>
+              <a:t>medical</a:t>
+            </a:r>
+            <a:r>
+              <a:rPr lang="de-DE" b="0" i="0" u="none" strike="noStrike" dirty="0">
+                <a:solidFill>
+                  <a:srgbClr val="000000"/>
+                </a:solidFill>
+                <a:effectLst/>
+                <a:latin typeface="-webkit-standard"/>
+              </a:rPr>
+              <a:t> </a:t>
+            </a:r>
+            <a:r>
+              <a:rPr lang="de-DE" b="0" i="0" u="none" strike="noStrike" dirty="0" err="1">
+                <a:solidFill>
+                  <a:srgbClr val="000000"/>
+                </a:solidFill>
+                <a:effectLst/>
+                <a:latin typeface="-webkit-standard"/>
+              </a:rPr>
+              <a:t>professionals</a:t>
+            </a:r>
+            <a:r>
+              <a:rPr lang="de-DE" b="0" i="0" u="none" strike="noStrike" dirty="0">
+                <a:solidFill>
+                  <a:srgbClr val="000000"/>
+                </a:solidFill>
+                <a:effectLst/>
+                <a:latin typeface="-webkit-standard"/>
+              </a:rPr>
+              <a:t> </a:t>
+            </a:r>
+            <a:r>
+              <a:rPr lang="de-DE" b="0" i="0" u="none" strike="noStrike" dirty="0" err="1">
+                <a:solidFill>
+                  <a:srgbClr val="000000"/>
+                </a:solidFill>
+                <a:effectLst/>
+                <a:latin typeface="-webkit-standard"/>
+              </a:rPr>
+              <a:t>face</a:t>
+            </a:r>
+            <a:r>
+              <a:rPr lang="de-DE" b="0" i="0" u="none" strike="noStrike" dirty="0">
+                <a:solidFill>
+                  <a:srgbClr val="000000"/>
+                </a:solidFill>
+                <a:effectLst/>
+                <a:latin typeface="-webkit-standard"/>
+              </a:rPr>
+              <a:t> time </a:t>
+            </a:r>
+            <a:r>
+              <a:rPr lang="de-DE" b="0" i="0" u="none" strike="noStrike" dirty="0" err="1">
+                <a:solidFill>
+                  <a:srgbClr val="000000"/>
+                </a:solidFill>
+                <a:effectLst/>
+                <a:latin typeface="-webkit-standard"/>
+              </a:rPr>
+              <a:t>constraints</a:t>
+            </a:r>
+            <a:r>
+              <a:rPr lang="de-DE" b="0" i="0" u="none" strike="noStrike">
+                <a:solidFill>
+                  <a:srgbClr val="000000"/>
+                </a:solidFill>
+                <a:effectLst/>
+                <a:latin typeface="-webkit-standard"/>
+              </a:rPr>
+              <a:t>.</a:t>
+            </a:r>
+            <a:endParaRPr lang="en-US" dirty="0"/>
+          </a:p>
         </p:txBody>
       </p:sp>
       <p:sp>
@@ -1675,7 +1801,7 @@
           <a:p>
             <a:fld id="{777F19AD-4A9B-FA4E-B9CD-F9E9FFC24D44}" type="datetime1">
               <a:rPr lang="de-DE" smtClean="0"/>
-              <a:t>26.06.24</a:t>
+              <a:t>02.07.24</a:t>
             </a:fld>
             <a:endParaRPr lang="de-DE"/>
           </a:p>
@@ -1873,7 +1999,7 @@
           <a:p>
             <a:fld id="{D3D5D3D5-5D5F-9841-B8AD-9296B0F2CC79}" type="datetime1">
               <a:rPr lang="de-DE" smtClean="0"/>
-              <a:t>26.06.24</a:t>
+              <a:t>02.07.24</a:t>
             </a:fld>
             <a:endParaRPr lang="de-DE"/>
           </a:p>
@@ -2081,7 +2207,7 @@
           <a:p>
             <a:fld id="{8BC3A0AD-F86D-7742-AC76-98D3781C5291}" type="datetime1">
               <a:rPr lang="de-DE" smtClean="0"/>
-              <a:t>26.06.24</a:t>
+              <a:t>02.07.24</a:t>
             </a:fld>
             <a:endParaRPr lang="de-DE"/>
           </a:p>
@@ -2315,7 +2441,7 @@
           <a:p>
             <a:fld id="{70B9BB2C-E35F-3F44-A222-5706A0A95DFA}" type="datetime1">
               <a:rPr lang="de-DE" smtClean="0"/>
-              <a:t>26.06.24</a:t>
+              <a:t>02.07.24</a:t>
             </a:fld>
             <a:endParaRPr lang="de-DE"/>
           </a:p>
@@ -2599,7 +2725,7 @@
           <a:p>
             <a:fld id="{CE83DDFF-8BCB-F04E-BEA9-F20D22EE2240}" type="datetime1">
               <a:rPr lang="de-DE" smtClean="0"/>
-              <a:t>26.06.24</a:t>
+              <a:t>02.07.24</a:t>
             </a:fld>
             <a:endParaRPr lang="de-DE"/>
           </a:p>
@@ -2864,7 +2990,7 @@
           <a:p>
             <a:fld id="{A22A238F-A945-DD42-AD0C-82AAC9A5186E}" type="datetime1">
               <a:rPr lang="de-DE" smtClean="0"/>
-              <a:t>26.06.24</a:t>
+              <a:t>02.07.24</a:t>
             </a:fld>
             <a:endParaRPr lang="de-DE"/>
           </a:p>
@@ -3276,7 +3402,7 @@
           <a:p>
             <a:fld id="{8EC57FC3-5049-B846-A69B-EB3036080AB3}" type="datetime1">
               <a:rPr lang="de-DE" smtClean="0"/>
-              <a:t>26.06.24</a:t>
+              <a:t>02.07.24</a:t>
             </a:fld>
             <a:endParaRPr lang="de-DE"/>
           </a:p>
@@ -3417,7 +3543,7 @@
           <a:p>
             <a:fld id="{480116AB-0C33-D341-8A7D-D9D1B828050C}" type="datetime1">
               <a:rPr lang="de-DE" smtClean="0"/>
-              <a:t>26.06.24</a:t>
+              <a:t>02.07.24</a:t>
             </a:fld>
             <a:endParaRPr lang="de-DE"/>
           </a:p>
@@ -3530,7 +3656,7 @@
           <a:p>
             <a:fld id="{7C1A25BF-E695-C442-A855-7D3191E8267D}" type="datetime1">
               <a:rPr lang="de-DE" smtClean="0"/>
-              <a:t>26.06.24</a:t>
+              <a:t>02.07.24</a:t>
             </a:fld>
             <a:endParaRPr lang="de-DE"/>
           </a:p>
@@ -3841,7 +3967,7 @@
           <a:p>
             <a:fld id="{D765B615-7FF6-8542-A64F-1FACCA84B841}" type="datetime1">
               <a:rPr lang="de-DE" smtClean="0"/>
-              <a:t>26.06.24</a:t>
+              <a:t>02.07.24</a:t>
             </a:fld>
             <a:endParaRPr lang="de-DE"/>
           </a:p>
@@ -4129,7 +4255,7 @@
           <a:p>
             <a:fld id="{94796C04-FB0E-F947-AC55-2890DD9CA095}" type="datetime1">
               <a:rPr lang="de-DE" smtClean="0"/>
-              <a:t>26.06.24</a:t>
+              <a:t>02.07.24</a:t>
             </a:fld>
             <a:endParaRPr lang="de-DE"/>
           </a:p>
@@ -4370,7 +4496,7 @@
           <a:p>
             <a:fld id="{EECEB347-55B1-064D-B225-85E3B3955E16}" type="datetime1">
               <a:rPr lang="de-DE" smtClean="0"/>
-              <a:t>26.06.24</a:t>
+              <a:t>02.07.24</a:t>
             </a:fld>
             <a:endParaRPr lang="de-DE"/>
           </a:p>
@@ -37771,8 +37897,8 @@
           </a:p>
         </p:txBody>
       </p:sp>
-      <mc:AlternateContent xmlns:mc="http://schemas.openxmlformats.org/markup-compatibility/2006" xmlns:a14="http://schemas.microsoft.com/office/drawing/2010/main">
-        <mc:Choice Requires="a14">
+      <mc:AlternateContent xmlns:mc="http://schemas.openxmlformats.org/markup-compatibility/2006">
+        <mc:Choice xmlns:a14="http://schemas.microsoft.com/office/drawing/2010/main" Requires="a14">
           <p:sp>
             <p:nvSpPr>
               <p:cNvPr id="3" name="Inhaltsplatzhalter 2">
@@ -38064,6 +38190,12 @@
                               <a:rPr lang="de-DE" sz="2400" b="0" i="1" smtClean="0">
                                 <a:latin typeface="Cambria Math" panose="02040503050406030204" pitchFamily="18" charset="0"/>
                               </a:rPr>
+                              <m:t>(</m:t>
+                            </m:r>
+                            <m:r>
+                              <a:rPr lang="de-DE" sz="2400" b="0" i="1" smtClean="0">
+                                <a:latin typeface="Cambria Math" panose="02040503050406030204" pitchFamily="18" charset="0"/>
+                              </a:rPr>
                               <m:t>𝑁</m:t>
                             </m:r>
                             <m:r>
@@ -38077,6 +38209,12 @@
                                 <a:latin typeface="Cambria Math" panose="02040503050406030204" pitchFamily="18" charset="0"/>
                               </a:rPr>
                               <m:t>𝑆</m:t>
+                            </m:r>
+                            <m:r>
+                              <a:rPr lang="de-DE" sz="2400" b="0" i="1" smtClean="0">
+                                <a:latin typeface="Cambria Math" panose="02040503050406030204" pitchFamily="18" charset="0"/>
+                              </a:rPr>
+                              <m:t>)</m:t>
                             </m:r>
                           </m:e>
                         </m:func>
@@ -38103,7 +38241,7 @@
             </p:txBody>
           </p:sp>
         </mc:Choice>
-        <mc:Fallback xmlns="">
+        <mc:Fallback>
           <p:sp>
             <p:nvSpPr>
               <p:cNvPr id="3" name="Inhaltsplatzhalter 2">
